--- a/ppts/old/Babbie_7e_PPT_ch_03.pptx
+++ b/ppts/old/Babbie_7e_PPT_ch_03.pptx
@@ -248,7 +248,7 @@
           <a:p>
             <a:fld id="{75D240F9-A311-6740-86C7-35D127CD4936}" type="datetimeFigureOut">
               <a:rPr lang="en-US" smtClean="0"/>
-              <a:t>8/30/16</a:t>
+              <a:t>9/14/16</a:t>
             </a:fld>
             <a:endParaRPr lang="en-US"/>
           </a:p>
@@ -2906,7 +2906,7 @@
               <a:pPr>
                 <a:defRPr/>
               </a:pPr>
-              <a:t>8/30/16</a:t>
+              <a:t>9/14/16</a:t>
             </a:fld>
             <a:endParaRPr lang="en-US" dirty="0"/>
           </a:p>
@@ -3116,7 +3116,7 @@
               <a:pPr>
                 <a:defRPr/>
               </a:pPr>
-              <a:t>8/30/16</a:t>
+              <a:t>9/14/16</a:t>
             </a:fld>
             <a:endParaRPr lang="en-US" dirty="0"/>
           </a:p>
@@ -3482,7 +3482,7 @@
               <a:pPr>
                 <a:defRPr/>
               </a:pPr>
-              <a:t>8/30/16</a:t>
+              <a:t>9/14/16</a:t>
             </a:fld>
             <a:endParaRPr lang="en-US" dirty="0"/>
           </a:p>
@@ -3694,7 +3694,7 @@
               <a:pPr>
                 <a:defRPr/>
               </a:pPr>
-              <a:t>8/30/16</a:t>
+              <a:t>9/14/16</a:t>
             </a:fld>
             <a:endParaRPr lang="en-US" dirty="0"/>
           </a:p>
@@ -4091,7 +4091,7 @@
               <a:pPr>
                 <a:defRPr/>
               </a:pPr>
-              <a:t>8/30/16</a:t>
+              <a:t>9/14/16</a:t>
             </a:fld>
             <a:endParaRPr lang="en-US" dirty="0"/>
           </a:p>
@@ -4356,7 +4356,7 @@
               <a:pPr>
                 <a:defRPr/>
               </a:pPr>
-              <a:t>8/30/16</a:t>
+              <a:t>9/14/16</a:t>
             </a:fld>
             <a:endParaRPr lang="en-US" dirty="0"/>
           </a:p>
@@ -4701,7 +4701,7 @@
               <a:pPr>
                 <a:defRPr/>
               </a:pPr>
-              <a:t>8/30/16</a:t>
+              <a:t>9/14/16</a:t>
             </a:fld>
             <a:endParaRPr lang="en-US" dirty="0"/>
           </a:p>
@@ -4841,7 +4841,7 @@
               <a:pPr>
                 <a:defRPr/>
               </a:pPr>
-              <a:t>8/30/16</a:t>
+              <a:t>9/14/16</a:t>
             </a:fld>
             <a:endParaRPr lang="en-US" dirty="0"/>
           </a:p>
@@ -4958,7 +4958,7 @@
               <a:pPr>
                 <a:defRPr/>
               </a:pPr>
-              <a:t>8/30/16</a:t>
+              <a:t>9/14/16</a:t>
             </a:fld>
             <a:endParaRPr lang="en-US" dirty="0"/>
           </a:p>
@@ -5248,7 +5248,7 @@
               <a:pPr>
                 <a:defRPr/>
               </a:pPr>
-              <a:t>8/30/16</a:t>
+              <a:t>9/14/16</a:t>
             </a:fld>
             <a:endParaRPr lang="en-US" dirty="0"/>
           </a:p>
@@ -5725,7 +5725,7 @@
               <a:pPr>
                 <a:defRPr/>
               </a:pPr>
-              <a:t>8/30/16</a:t>
+              <a:t>9/14/16</a:t>
             </a:fld>
             <a:endParaRPr lang="en-US" dirty="0"/>
           </a:p>
@@ -5988,7 +5988,7 @@
               <a:pPr>
                 <a:defRPr/>
               </a:pPr>
-              <a:t>8/30/16</a:t>
+              <a:t>9/14/16</a:t>
             </a:fld>
             <a:endParaRPr lang="en-US" dirty="0"/>
           </a:p>
@@ -7682,14 +7682,7 @@
                 <a:latin typeface="Arial" panose="020B0604020202020204" pitchFamily="34" charset="0"/>
                 <a:cs typeface="Arial" panose="020B0604020202020204" pitchFamily="34" charset="0"/>
               </a:rPr>
-              <a:t>The ethics of social research deal mostly with the methods employed</a:t>
-            </a:r>
-            <a:r>
-              <a:rPr lang="en-US" sz="2600" dirty="0" smtClean="0">
-                <a:latin typeface="Arial" panose="020B0604020202020204" pitchFamily="34" charset="0"/>
-                <a:cs typeface="Arial" panose="020B0604020202020204" pitchFamily="34" charset="0"/>
-              </a:rPr>
-              <a:t>.</a:t>
+              <a:t>The ethics of social research deal mostly with the methods employed.</a:t>
             </a:r>
           </a:p>
           <a:p>
@@ -8057,7 +8050,7 @@
 </file>
 
 <file path=ppt/slides/slide17.xml><?xml version="1.0" encoding="utf-8"?>
-<p:sld xmlns:a="http://schemas.openxmlformats.org/drawingml/2006/main" xmlns:r="http://schemas.openxmlformats.org/officeDocument/2006/relationships" xmlns:p="http://schemas.openxmlformats.org/presentationml/2006/main">
+<p:sld xmlns:a="http://schemas.openxmlformats.org/drawingml/2006/main" xmlns:r="http://schemas.openxmlformats.org/officeDocument/2006/relationships" xmlns:p="http://schemas.openxmlformats.org/presentationml/2006/main" show="0">
   <p:cSld>
     <p:spTree>
       <p:nvGrpSpPr>
@@ -8188,6 +8181,14 @@
   <p:clrMapOvr>
     <a:masterClrMapping/>
   </p:clrMapOvr>
+  <mc:AlternateContent xmlns:mc="http://schemas.openxmlformats.org/markup-compatibility/2006">
+    <mc:Choice xmlns:p14="http://schemas.microsoft.com/office/powerpoint/2010/main" Requires="p14">
+      <p:transition spd="slow" p14:dur="2000"/>
+    </mc:Choice>
+    <mc:Fallback>
+      <p:transition xmlns:p14="http://schemas.microsoft.com/office/powerpoint/2010/main" spd="slow"/>
+    </mc:Fallback>
+  </mc:AlternateContent>
 </p:sld>
 </file>
 
@@ -8324,7 +8325,7 @@
 </file>
 
 <file path=ppt/slides/slide19.xml><?xml version="1.0" encoding="utf-8"?>
-<p:sld xmlns:a="http://schemas.openxmlformats.org/drawingml/2006/main" xmlns:r="http://schemas.openxmlformats.org/officeDocument/2006/relationships" xmlns:p="http://schemas.openxmlformats.org/presentationml/2006/main">
+<p:sld xmlns:a="http://schemas.openxmlformats.org/drawingml/2006/main" xmlns:r="http://schemas.openxmlformats.org/officeDocument/2006/relationships" xmlns:p="http://schemas.openxmlformats.org/presentationml/2006/main" show="0">
   <p:cSld>
     <p:spTree>
       <p:nvGrpSpPr>
@@ -8512,6 +8513,14 @@
   <p:clrMapOvr>
     <a:masterClrMapping/>
   </p:clrMapOvr>
+  <mc:AlternateContent xmlns:mc="http://schemas.openxmlformats.org/markup-compatibility/2006">
+    <mc:Choice xmlns:p14="http://schemas.microsoft.com/office/powerpoint/2010/main" Requires="p14">
+      <p:transition spd="slow" p14:dur="2000"/>
+    </mc:Choice>
+    <mc:Fallback>
+      <p:transition xmlns:p14="http://schemas.microsoft.com/office/powerpoint/2010/main" spd="slow"/>
+    </mc:Fallback>
+  </mc:AlternateContent>
 </p:sld>
 </file>
 
@@ -10084,14 +10093,7 @@
                 <a:latin typeface="Arial" panose="020B0604020202020204" pitchFamily="34" charset="0"/>
                 <a:cs typeface="Arial" panose="020B0604020202020204" pitchFamily="34" charset="0"/>
               </a:rPr>
-              <a:t>Voluntary </a:t>
-            </a:r>
-            <a:r>
-              <a:rPr lang="en-US" sz="2600" dirty="0" smtClean="0">
-                <a:latin typeface="Arial" panose="020B0604020202020204" pitchFamily="34" charset="0"/>
-                <a:cs typeface="Arial" panose="020B0604020202020204" pitchFamily="34" charset="0"/>
-              </a:rPr>
-              <a:t>Participation</a:t>
+              <a:t>Voluntary Participation</a:t>
             </a:r>
           </a:p>
           <a:p>
@@ -10680,7 +10682,7 @@
 </file>
 
 <file path=ppt/slides/slide9.xml><?xml version="1.0" encoding="utf-8"?>
-<p:sld xmlns:a="http://schemas.openxmlformats.org/drawingml/2006/main" xmlns:r="http://schemas.openxmlformats.org/officeDocument/2006/relationships" xmlns:p="http://schemas.openxmlformats.org/presentationml/2006/main">
+<p:sld xmlns:a="http://schemas.openxmlformats.org/drawingml/2006/main" xmlns:r="http://schemas.openxmlformats.org/officeDocument/2006/relationships" xmlns:p="http://schemas.openxmlformats.org/presentationml/2006/main" show="0">
   <p:cSld>
     <p:spTree>
       <p:nvGrpSpPr>
@@ -10830,6 +10832,14 @@
   <p:clrMapOvr>
     <a:masterClrMapping/>
   </p:clrMapOvr>
+  <mc:AlternateContent xmlns:mc="http://schemas.openxmlformats.org/markup-compatibility/2006">
+    <mc:Choice xmlns:p14="http://schemas.microsoft.com/office/powerpoint/2010/main" Requires="p14">
+      <p:transition spd="slow" p14:dur="2000"/>
+    </mc:Choice>
+    <mc:Fallback>
+      <p:transition xmlns:p14="http://schemas.microsoft.com/office/powerpoint/2010/main" spd="slow"/>
+    </mc:Fallback>
+  </mc:AlternateContent>
 </p:sld>
 </file>
 
